--- a/capNet+Tran.pptx
+++ b/capNet+Tran.pptx
@@ -210,7 +210,7 @@
           <a:p>
             <a:fld id="{922BFB63-FC0D-8140-8B58-4137BAA03F56}" type="datetimeFigureOut">
               <a:rPr lang="en-CN" smtClean="0"/>
-              <a:t>2021/4/6</a:t>
+              <a:t>04/11/2021</a:t>
             </a:fld>
             <a:endParaRPr lang="en-CN"/>
           </a:p>
@@ -940,7 +940,7 @@
           <a:p>
             <a:fld id="{BF77F41D-8528-1849-961C-5662A4737C49}" type="datetimeFigureOut">
               <a:rPr lang="en-CN" smtClean="0"/>
-              <a:t>2021/4/6</a:t>
+              <a:t>04/11/2021</a:t>
             </a:fld>
             <a:endParaRPr lang="en-CN"/>
           </a:p>
@@ -1140,7 +1140,7 @@
           <a:p>
             <a:fld id="{BF77F41D-8528-1849-961C-5662A4737C49}" type="datetimeFigureOut">
               <a:rPr lang="en-CN" smtClean="0"/>
-              <a:t>2021/4/6</a:t>
+              <a:t>04/11/2021</a:t>
             </a:fld>
             <a:endParaRPr lang="en-CN"/>
           </a:p>
@@ -1350,7 +1350,7 @@
           <a:p>
             <a:fld id="{BF77F41D-8528-1849-961C-5662A4737C49}" type="datetimeFigureOut">
               <a:rPr lang="en-CN" smtClean="0"/>
-              <a:t>2021/4/6</a:t>
+              <a:t>04/11/2021</a:t>
             </a:fld>
             <a:endParaRPr lang="en-CN"/>
           </a:p>
@@ -1550,7 +1550,7 @@
           <a:p>
             <a:fld id="{BF77F41D-8528-1849-961C-5662A4737C49}" type="datetimeFigureOut">
               <a:rPr lang="en-CN" smtClean="0"/>
-              <a:t>2021/4/6</a:t>
+              <a:t>04/11/2021</a:t>
             </a:fld>
             <a:endParaRPr lang="en-CN"/>
           </a:p>
@@ -1826,7 +1826,7 @@
           <a:p>
             <a:fld id="{BF77F41D-8528-1849-961C-5662A4737C49}" type="datetimeFigureOut">
               <a:rPr lang="en-CN" smtClean="0"/>
-              <a:t>2021/4/6</a:t>
+              <a:t>04/11/2021</a:t>
             </a:fld>
             <a:endParaRPr lang="en-CN"/>
           </a:p>
@@ -2094,7 +2094,7 @@
           <a:p>
             <a:fld id="{BF77F41D-8528-1849-961C-5662A4737C49}" type="datetimeFigureOut">
               <a:rPr lang="en-CN" smtClean="0"/>
-              <a:t>2021/4/6</a:t>
+              <a:t>04/11/2021</a:t>
             </a:fld>
             <a:endParaRPr lang="en-CN"/>
           </a:p>
@@ -2509,7 +2509,7 @@
           <a:p>
             <a:fld id="{BF77F41D-8528-1849-961C-5662A4737C49}" type="datetimeFigureOut">
               <a:rPr lang="en-CN" smtClean="0"/>
-              <a:t>2021/4/6</a:t>
+              <a:t>04/11/2021</a:t>
             </a:fld>
             <a:endParaRPr lang="en-CN"/>
           </a:p>
@@ -2651,7 +2651,7 @@
           <a:p>
             <a:fld id="{BF77F41D-8528-1849-961C-5662A4737C49}" type="datetimeFigureOut">
               <a:rPr lang="en-CN" smtClean="0"/>
-              <a:t>2021/4/6</a:t>
+              <a:t>04/11/2021</a:t>
             </a:fld>
             <a:endParaRPr lang="en-CN"/>
           </a:p>
@@ -2764,7 +2764,7 @@
           <a:p>
             <a:fld id="{BF77F41D-8528-1849-961C-5662A4737C49}" type="datetimeFigureOut">
               <a:rPr lang="en-CN" smtClean="0"/>
-              <a:t>2021/4/6</a:t>
+              <a:t>04/11/2021</a:t>
             </a:fld>
             <a:endParaRPr lang="en-CN"/>
           </a:p>
@@ -3077,7 +3077,7 @@
           <a:p>
             <a:fld id="{BF77F41D-8528-1849-961C-5662A4737C49}" type="datetimeFigureOut">
               <a:rPr lang="en-CN" smtClean="0"/>
-              <a:t>2021/4/6</a:t>
+              <a:t>04/11/2021</a:t>
             </a:fld>
             <a:endParaRPr lang="en-CN"/>
           </a:p>
@@ -3366,7 +3366,7 @@
           <a:p>
             <a:fld id="{BF77F41D-8528-1849-961C-5662A4737C49}" type="datetimeFigureOut">
               <a:rPr lang="en-CN" smtClean="0"/>
-              <a:t>2021/4/6</a:t>
+              <a:t>04/11/2021</a:t>
             </a:fld>
             <a:endParaRPr lang="en-CN"/>
           </a:p>
@@ -3609,7 +3609,7 @@
           <a:p>
             <a:fld id="{BF77F41D-8528-1849-961C-5662A4737C49}" type="datetimeFigureOut">
               <a:rPr lang="en-CN" smtClean="0"/>
-              <a:t>2021/4/6</a:t>
+              <a:t>04/11/2021</a:t>
             </a:fld>
             <a:endParaRPr lang="en-CN"/>
           </a:p>
@@ -8926,7 +8926,7 @@
             <p:ph idx="1"/>
             <p:extLst>
               <p:ext uri="{D42A27DB-BD31-4B8C-83A1-F6EECF244321}">
-                <p14:modId xmlns:p14="http://schemas.microsoft.com/office/powerpoint/2010/main" val="4258660535"/>
+                <p14:modId xmlns:p14="http://schemas.microsoft.com/office/powerpoint/2010/main" val="2628197572"/>
               </p:ext>
             </p:extLst>
           </p:nvPr>
@@ -9089,6 +9089,10 @@
                     <a:bodyPr/>
                     <a:lstStyle/>
                     <a:p>
+                      <a:r>
+                        <a:rPr lang="en-US" dirty="0"/>
+                        <a:t>0.93</a:t>
+                      </a:r>
                       <a:endParaRPr lang="en-CN" dirty="0"/>
                     </a:p>
                   </a:txBody>
@@ -9099,6 +9103,10 @@
                     <a:bodyPr/>
                     <a:lstStyle/>
                     <a:p>
+                      <a:r>
+                        <a:rPr lang="en-US" dirty="0"/>
+                        <a:t>0.92</a:t>
+                      </a:r>
                       <a:endParaRPr lang="en-CN" dirty="0"/>
                     </a:p>
                   </a:txBody>
@@ -9109,6 +9117,10 @@
                     <a:bodyPr/>
                     <a:lstStyle/>
                     <a:p>
+                      <a:r>
+                        <a:rPr lang="en-US"/>
+                        <a:t>84.43%</a:t>
+                      </a:r>
                       <a:endParaRPr lang="en-CN" dirty="0"/>
                     </a:p>
                   </a:txBody>
